--- a/PLPTH813Bioinformatis/2023/lectures/lecture02_unix.pptx
+++ b/PLPTH813Bioinformatis/2023/lectures/lecture02_unix.pptx
@@ -5,10 +5,10 @@
     <p:sldMasterId id="2147483648" r:id="rId1"/>
   </p:sldMasterIdLst>
   <p:notesMasterIdLst>
-    <p:notesMasterId r:id="rId43"/>
+    <p:notesMasterId r:id="rId41"/>
   </p:notesMasterIdLst>
   <p:handoutMasterIdLst>
-    <p:handoutMasterId r:id="rId44"/>
+    <p:handoutMasterId r:id="rId42"/>
   </p:handoutMasterIdLst>
   <p:sldIdLst>
     <p:sldId id="256" r:id="rId2"/>
@@ -44,14 +44,12 @@
     <p:sldId id="356" r:id="rId32"/>
     <p:sldId id="372" r:id="rId33"/>
     <p:sldId id="373" r:id="rId34"/>
-    <p:sldId id="374" r:id="rId35"/>
-    <p:sldId id="378" r:id="rId36"/>
-    <p:sldId id="379" r:id="rId37"/>
-    <p:sldId id="380" r:id="rId38"/>
-    <p:sldId id="388" r:id="rId39"/>
-    <p:sldId id="383" r:id="rId40"/>
-    <p:sldId id="336" r:id="rId41"/>
-    <p:sldId id="346" r:id="rId42"/>
+    <p:sldId id="378" r:id="rId35"/>
+    <p:sldId id="380" r:id="rId36"/>
+    <p:sldId id="388" r:id="rId37"/>
+    <p:sldId id="383" r:id="rId38"/>
+    <p:sldId id="336" r:id="rId39"/>
+    <p:sldId id="346" r:id="rId40"/>
   </p:sldIdLst>
   <p:sldSz cx="9144000" cy="6858000" type="screen4x3"/>
   <p:notesSz cx="6858000" cy="9144000"/>
@@ -1375,7 +1373,7 @@
           <a:p>
             <a:fld id="{5A8CDD03-0606-D84C-8E82-53044046AB9F}" type="slidenum">
               <a:rPr lang="en-US" smtClean="0"/>
-              <a:t>39</a:t>
+              <a:t>37</a:t>
             </a:fld>
             <a:endParaRPr lang="en-US"/>
           </a:p>
@@ -5329,7 +5327,7 @@
         <p:spPr>
           <a:xfrm>
             <a:off x="762000" y="3246966"/>
-            <a:ext cx="6582833" cy="2918884"/>
+            <a:ext cx="7845972" cy="2918884"/>
           </a:xfrm>
         </p:spPr>
         <p:txBody>
@@ -5352,7 +5350,7 @@
                 <a:latin typeface="Courier"/>
                 <a:cs typeface="Courier"/>
               </a:rPr>
-              <a:t>/homes/liu3zhen/teaching/BA19</a:t>
+              <a:t>/homes/liu3zhen/teaching/datasets</a:t>
             </a:r>
           </a:p>
           <a:p>
@@ -5430,7 +5428,7 @@
         <p:spPr>
           <a:xfrm>
             <a:off x="762000" y="1245798"/>
-            <a:ext cx="5109091" cy="707886"/>
+            <a:ext cx="4185761" cy="707886"/>
           </a:xfrm>
           <a:prstGeom prst="rect">
             <a:avLst/>
@@ -5454,7 +5452,7 @@
                 <a:latin typeface="Courier"/>
                 <a:cs typeface="Courier"/>
               </a:rPr>
-              <a:t>/homes/liu3zhen/teaching/PLPTH83</a:t>
+              <a:t>/homes/liu3zhen/teaching/</a:t>
             </a:r>
           </a:p>
         </p:txBody>
@@ -20234,17 +20232,22 @@
           <a:lstStyle/>
           <a:p>
             <a:r>
-              <a:rPr lang="en-US" b="1" dirty="0">
+              <a:rPr lang="en-US" b="1" dirty="0" err="1">
                 <a:solidFill>
                   <a:srgbClr val="376092"/>
                 </a:solidFill>
               </a:rPr>
-              <a:t>find</a:t>
+              <a:t>sed</a:t>
             </a:r>
             <a:r>
               <a:rPr lang="en-US" dirty="0"/>
-              <a:t> - II</a:t>
-            </a:r>
+              <a:t> -  a stream editor used for modifying files in </a:t>
+            </a:r>
+            <a:r>
+              <a:rPr lang="en-US" dirty="0" err="1"/>
+              <a:t>unix</a:t>
+            </a:r>
+            <a:endParaRPr lang="en-US" dirty="0"/>
           </a:p>
         </p:txBody>
       </p:sp>
@@ -20260,8 +20263,8 @@
         </p:nvSpPr>
         <p:spPr>
           <a:xfrm>
-            <a:off x="1054100" y="1233052"/>
-            <a:ext cx="7226300" cy="4622224"/>
+            <a:off x="838200" y="1778576"/>
+            <a:ext cx="6146800" cy="3923724"/>
           </a:xfrm>
         </p:spPr>
         <p:txBody>
@@ -20274,11 +20277,53 @@
               <a:buNone/>
             </a:pPr>
             <a:r>
+              <a:rPr lang="en-US" sz="1800" b="1" dirty="0" err="1">
+                <a:solidFill>
+                  <a:srgbClr val="376092"/>
+                </a:solidFill>
+                <a:latin typeface="Courier New"/>
+                <a:cs typeface="Courier New"/>
+              </a:rPr>
+              <a:t>sed</a:t>
+            </a:r>
+            <a:r>
+              <a:rPr lang="en-US" sz="1800" b="1" dirty="0">
+                <a:solidFill>
+                  <a:srgbClr val="376092"/>
+                </a:solidFill>
+                <a:latin typeface="Courier New"/>
+                <a:cs typeface="Courier New"/>
+              </a:rPr>
+              <a:t> 's/apple/strawberry/' </a:t>
+            </a:r>
+            <a:r>
+              <a:rPr lang="en-US" sz="1800" b="1" dirty="0" err="1">
+                <a:solidFill>
+                  <a:srgbClr val="376092"/>
+                </a:solidFill>
+                <a:latin typeface="Courier New"/>
+                <a:cs typeface="Courier New"/>
+              </a:rPr>
+              <a:t>fruit.txt</a:t>
+            </a:r>
+            <a:endParaRPr lang="en-US" sz="1800" b="1" dirty="0">
+              <a:solidFill>
+                <a:srgbClr val="376092"/>
+              </a:solidFill>
+              <a:latin typeface="Courier New"/>
+              <a:cs typeface="Courier New"/>
+            </a:endParaRPr>
+          </a:p>
+          <a:p>
+            <a:pPr marL="0" indent="0">
+              <a:buNone/>
+            </a:pPr>
+            <a:r>
               <a:rPr lang="en-US" sz="1800" dirty="0">
                 <a:latin typeface="Courier New"/>
                 <a:cs typeface="Courier New"/>
               </a:rPr>
-              <a:t># find files containing a specific word in its name</a:t>
+              <a:t>orange	8</a:t>
             </a:r>
           </a:p>
           <a:p>
@@ -20290,7 +20335,31 @@
                 <a:latin typeface="Courier New"/>
                 <a:cs typeface="Courier New"/>
               </a:rPr>
-              <a:t>find -name "fruit*"</a:t>
+              <a:t>strawberry	6</a:t>
+            </a:r>
+          </a:p>
+          <a:p>
+            <a:pPr marL="0" indent="0">
+              <a:buNone/>
+            </a:pPr>
+            <a:r>
+              <a:rPr lang="en-US" sz="1800" dirty="0">
+                <a:latin typeface="Courier New"/>
+                <a:cs typeface="Courier New"/>
+              </a:rPr>
+              <a:t>peach	12</a:t>
+            </a:r>
+          </a:p>
+          <a:p>
+            <a:pPr marL="0" indent="0">
+              <a:buNone/>
+            </a:pPr>
+            <a:r>
+              <a:rPr lang="en-US" sz="1800" dirty="0">
+                <a:latin typeface="Courier New"/>
+                <a:cs typeface="Courier New"/>
+              </a:rPr>
+              <a:t>banana	5</a:t>
             </a:r>
           </a:p>
           <a:p>
@@ -20307,25 +20376,65 @@
               <a:buNone/>
             </a:pPr>
             <a:r>
+              <a:rPr lang="en-US" sz="1800" b="1" dirty="0" err="1">
+                <a:solidFill>
+                  <a:srgbClr val="376092"/>
+                </a:solidFill>
+                <a:latin typeface="Courier New"/>
+                <a:cs typeface="Courier New"/>
+              </a:rPr>
+              <a:t>sed</a:t>
+            </a:r>
+            <a:r>
+              <a:rPr lang="en-US" sz="1800" b="1" dirty="0">
+                <a:solidFill>
+                  <a:srgbClr val="376092"/>
+                </a:solidFill>
+                <a:latin typeface="Courier New"/>
+                <a:cs typeface="Courier New"/>
+              </a:rPr>
+              <a:t> 's/apple/strawberry/g' </a:t>
+            </a:r>
+            <a:r>
+              <a:rPr lang="en-US" sz="1800" b="1" dirty="0" err="1">
+                <a:solidFill>
+                  <a:srgbClr val="376092"/>
+                </a:solidFill>
+                <a:latin typeface="Courier New"/>
+                <a:cs typeface="Courier New"/>
+              </a:rPr>
+              <a:t>fruit.txt</a:t>
+            </a:r>
+            <a:endParaRPr lang="en-US" sz="1800" b="1" dirty="0">
+              <a:solidFill>
+                <a:srgbClr val="376092"/>
+              </a:solidFill>
+              <a:latin typeface="Courier New"/>
+              <a:cs typeface="Courier New"/>
+            </a:endParaRPr>
+          </a:p>
+          <a:p>
+            <a:pPr marL="0" indent="0">
+              <a:buNone/>
+            </a:pPr>
+            <a:r>
               <a:rPr lang="en-US" sz="1800" dirty="0">
                 <a:latin typeface="Courier New"/>
                 <a:cs typeface="Courier New"/>
               </a:rPr>
-              <a:t># find files whose name are not "</a:t>
-            </a:r>
-            <a:r>
-              <a:rPr lang="en-US" sz="1800" dirty="0" err="1">
-                <a:latin typeface="Courier New"/>
-                <a:cs typeface="Courier New"/>
-              </a:rPr>
-              <a:t>fruit.txt</a:t>
-            </a:r>
+              <a:t>orange	8</a:t>
+            </a:r>
+          </a:p>
+          <a:p>
+            <a:pPr marL="0" indent="0">
+              <a:buNone/>
+            </a:pPr>
             <a:r>
               <a:rPr lang="en-US" sz="1800" dirty="0">
                 <a:latin typeface="Courier New"/>
                 <a:cs typeface="Courier New"/>
               </a:rPr>
-              <a:t>"</a:t>
+              <a:t>strawberry	6</a:t>
             </a:r>
           </a:p>
           <a:p>
@@ -20337,209 +20446,20 @@
                 <a:latin typeface="Courier New"/>
                 <a:cs typeface="Courier New"/>
               </a:rPr>
-              <a:t>find -not -name "</a:t>
-            </a:r>
-            <a:r>
-              <a:rPr lang="en-US" sz="1800" dirty="0" err="1">
-                <a:latin typeface="Courier New"/>
-                <a:cs typeface="Courier New"/>
-              </a:rPr>
-              <a:t>fruit.txt</a:t>
-            </a:r>
+              <a:t>peach	12</a:t>
+            </a:r>
+          </a:p>
+          <a:p>
+            <a:pPr marL="0" indent="0">
+              <a:buNone/>
+            </a:pPr>
             <a:r>
               <a:rPr lang="en-US" sz="1800" dirty="0">
                 <a:latin typeface="Courier New"/>
                 <a:cs typeface="Courier New"/>
               </a:rPr>
-              <a:t>"</a:t>
-            </a:r>
-          </a:p>
-          <a:p>
-            <a:pPr marL="0" indent="0">
-              <a:buNone/>
-            </a:pPr>
-            <a:endParaRPr lang="en-US" sz="1800" dirty="0">
-              <a:latin typeface="Courier New"/>
-              <a:cs typeface="Courier New"/>
-            </a:endParaRPr>
-          </a:p>
-          <a:p>
-            <a:pPr marL="0" indent="0">
-              <a:buNone/>
-            </a:pPr>
-            <a:r>
-              <a:rPr lang="en-US" sz="1800" dirty="0">
-                <a:latin typeface="Courier New"/>
-                <a:cs typeface="Courier New"/>
-              </a:rPr>
-              <a:t># find files </a:t>
-            </a:r>
-            <a:r>
-              <a:rPr lang="en-US" sz="1800" b="1" dirty="0">
-                <a:latin typeface="Courier New"/>
-                <a:cs typeface="Courier New"/>
-              </a:rPr>
-              <a:t>modified</a:t>
-            </a:r>
-            <a:r>
-              <a:rPr lang="en-US" sz="1800" dirty="0">
-                <a:latin typeface="Courier New"/>
-                <a:cs typeface="Courier New"/>
-              </a:rPr>
-              <a:t> within 30 minutes</a:t>
-            </a:r>
-          </a:p>
-          <a:p>
-            <a:pPr marL="0" indent="0">
-              <a:buNone/>
-            </a:pPr>
-            <a:r>
-              <a:rPr lang="en-US" sz="1800" dirty="0">
-                <a:latin typeface="Courier New"/>
-                <a:cs typeface="Courier New"/>
-              </a:rPr>
-              <a:t>find . -</a:t>
-            </a:r>
-            <a:r>
-              <a:rPr lang="en-US" sz="1800" dirty="0" err="1">
-                <a:latin typeface="Courier New"/>
-                <a:cs typeface="Courier New"/>
-              </a:rPr>
-              <a:t>mmin</a:t>
-            </a:r>
-            <a:r>
-              <a:rPr lang="en-US" sz="1800" dirty="0">
-                <a:latin typeface="Courier New"/>
-                <a:cs typeface="Courier New"/>
-              </a:rPr>
-              <a:t> -30</a:t>
-            </a:r>
-          </a:p>
-          <a:p>
-            <a:pPr marL="0" indent="0">
-              <a:buNone/>
-            </a:pPr>
-            <a:endParaRPr lang="en-US" sz="1800" dirty="0">
-              <a:latin typeface="Courier New"/>
-              <a:cs typeface="Courier New"/>
-            </a:endParaRPr>
-          </a:p>
-          <a:p>
-            <a:pPr marL="0" indent="0">
-              <a:buNone/>
-            </a:pPr>
-            <a:r>
-              <a:rPr lang="en-US" sz="1800" dirty="0">
-                <a:latin typeface="Courier New"/>
-                <a:cs typeface="Courier New"/>
-              </a:rPr>
-              <a:t># find files modified within 1 day</a:t>
-            </a:r>
-          </a:p>
-          <a:p>
-            <a:pPr marL="0" indent="0">
-              <a:buNone/>
-            </a:pPr>
-            <a:r>
-              <a:rPr lang="en-US" sz="1800" dirty="0">
-                <a:latin typeface="Courier New"/>
-                <a:cs typeface="Courier New"/>
-              </a:rPr>
-              <a:t>find . -</a:t>
-            </a:r>
-            <a:r>
-              <a:rPr lang="en-US" sz="1800" dirty="0" err="1">
-                <a:latin typeface="Courier New"/>
-                <a:cs typeface="Courier New"/>
-              </a:rPr>
-              <a:t>mtime</a:t>
-            </a:r>
-            <a:r>
-              <a:rPr lang="en-US" sz="1800" dirty="0">
-                <a:latin typeface="Courier New"/>
-                <a:cs typeface="Courier New"/>
-              </a:rPr>
-              <a:t> -1</a:t>
-            </a:r>
-          </a:p>
-          <a:p>
-            <a:pPr marL="0" indent="0">
-              <a:buNone/>
-            </a:pPr>
-            <a:endParaRPr lang="en-US" sz="1800" dirty="0">
-              <a:latin typeface="Courier New"/>
-              <a:cs typeface="Courier New"/>
-            </a:endParaRPr>
-          </a:p>
-          <a:p>
-            <a:pPr marL="0" indent="0">
-              <a:buNone/>
-            </a:pPr>
-            <a:r>
-              <a:rPr lang="en-US" sz="1800" dirty="0">
-                <a:latin typeface="Courier New"/>
-                <a:cs typeface="Courier New"/>
-              </a:rPr>
-              <a:t># find files </a:t>
-            </a:r>
-            <a:r>
-              <a:rPr lang="en-US" sz="1800" b="1" dirty="0">
-                <a:latin typeface="Courier New"/>
-                <a:cs typeface="Courier New"/>
-              </a:rPr>
-              <a:t>accessed</a:t>
-            </a:r>
-            <a:r>
-              <a:rPr lang="en-US" sz="1800" dirty="0">
-                <a:latin typeface="Courier New"/>
-                <a:cs typeface="Courier New"/>
-              </a:rPr>
-              <a:t> within 1 hour.</a:t>
-            </a:r>
-          </a:p>
-          <a:p>
-            <a:pPr marL="0" indent="0">
-              <a:buNone/>
-            </a:pPr>
-            <a:r>
-              <a:rPr lang="en-US" sz="1800" dirty="0">
-                <a:latin typeface="Courier New"/>
-                <a:cs typeface="Courier New"/>
-              </a:rPr>
-              <a:t>find . -</a:t>
-            </a:r>
-            <a:r>
-              <a:rPr lang="en-US" sz="1800" dirty="0" err="1">
-                <a:latin typeface="Courier New"/>
-                <a:cs typeface="Courier New"/>
-              </a:rPr>
-              <a:t>amin</a:t>
-            </a:r>
-            <a:r>
-              <a:rPr lang="en-US" sz="1800" dirty="0">
-                <a:latin typeface="Courier New"/>
-                <a:cs typeface="Courier New"/>
-              </a:rPr>
-              <a:t> -60</a:t>
-            </a:r>
-          </a:p>
-          <a:p>
-            <a:pPr marL="0" indent="0">
-              <a:buNone/>
-            </a:pPr>
-            <a:endParaRPr lang="en-US" sz="1800" dirty="0">
-              <a:latin typeface="Courier New"/>
-              <a:cs typeface="Courier New"/>
-            </a:endParaRPr>
-          </a:p>
-          <a:p>
-            <a:pPr marL="0" indent="0">
-              <a:buNone/>
-            </a:pPr>
-            <a:endParaRPr lang="en-US" sz="1800" dirty="0">
-              <a:latin typeface="Courier New"/>
-              <a:cs typeface="Courier New"/>
-            </a:endParaRPr>
+              <a:t>banana	5</a:t>
+            </a:r>
           </a:p>
         </p:txBody>
       </p:sp>
@@ -20561,343 +20481,6 @@
             <a:fld id="{9DA039C4-C5F2-1743-BB7A-5D831266C61E}" type="slidenum">
               <a:rPr lang="en-US" smtClean="0"/>
               <a:t>34</a:t>
-            </a:fld>
-            <a:endParaRPr lang="en-US"/>
-          </a:p>
-        </p:txBody>
-      </p:sp>
-      <p:sp>
-        <p:nvSpPr>
-          <p:cNvPr id="5" name="TextBox 4"/>
-          <p:cNvSpPr txBox="1"/>
-          <p:nvPr/>
-        </p:nvSpPr>
-        <p:spPr>
-          <a:xfrm>
-            <a:off x="393700" y="6339443"/>
-            <a:ext cx="7051530" cy="338554"/>
-          </a:xfrm>
-          <a:prstGeom prst="rect">
-            <a:avLst/>
-          </a:prstGeom>
-          <a:noFill/>
-        </p:spPr>
-        <p:txBody>
-          <a:bodyPr wrap="none" rtlCol="0">
-            <a:spAutoFit/>
-          </a:bodyPr>
-          <a:lstStyle/>
-          <a:p>
-            <a:r>
-              <a:rPr lang="en-US" sz="1600" dirty="0"/>
-              <a:t>http://</a:t>
-            </a:r>
-            <a:r>
-              <a:rPr lang="en-US" sz="1600" dirty="0" err="1"/>
-              <a:t>www.folkstalk.com</a:t>
-            </a:r>
-            <a:r>
-              <a:rPr lang="en-US" sz="1600" dirty="0"/>
-              <a:t>/2011/12/101-examples-of-using-find-command-in.html</a:t>
-            </a:r>
-          </a:p>
-        </p:txBody>
-      </p:sp>
-    </p:spTree>
-    <p:extLst>
-      <p:ext uri="{BB962C8B-B14F-4D97-AF65-F5344CB8AC3E}">
-        <p14:creationId xmlns:p14="http://schemas.microsoft.com/office/powerpoint/2010/main" val="1450337839"/>
-      </p:ext>
-    </p:extLst>
-  </p:cSld>
-  <p:clrMapOvr>
-    <a:masterClrMapping/>
-  </p:clrMapOvr>
-</p:sld>
-</file>
-
-<file path=ppt/slides/slide35.xml><?xml version="1.0" encoding="utf-8"?>
-<p:sld xmlns:a="http://schemas.openxmlformats.org/drawingml/2006/main" xmlns:r="http://schemas.openxmlformats.org/officeDocument/2006/relationships" xmlns:p="http://schemas.openxmlformats.org/presentationml/2006/main">
-  <p:cSld>
-    <p:spTree>
-      <p:nvGrpSpPr>
-        <p:cNvPr id="1" name=""/>
-        <p:cNvGrpSpPr/>
-        <p:nvPr/>
-      </p:nvGrpSpPr>
-      <p:grpSpPr>
-        <a:xfrm>
-          <a:off x="0" y="0"/>
-          <a:ext cx="0" cy="0"/>
-          <a:chOff x="0" y="0"/>
-          <a:chExt cx="0" cy="0"/>
-        </a:xfrm>
-      </p:grpSpPr>
-      <p:sp>
-        <p:nvSpPr>
-          <p:cNvPr id="2" name="Title 1"/>
-          <p:cNvSpPr>
-            <a:spLocks noGrp="1"/>
-          </p:cNvSpPr>
-          <p:nvPr>
-            <p:ph type="title"/>
-          </p:nvPr>
-        </p:nvSpPr>
-        <p:spPr/>
-        <p:txBody>
-          <a:bodyPr/>
-          <a:lstStyle/>
-          <a:p>
-            <a:r>
-              <a:rPr lang="en-US" b="1" dirty="0" err="1">
-                <a:solidFill>
-                  <a:srgbClr val="376092"/>
-                </a:solidFill>
-              </a:rPr>
-              <a:t>sed</a:t>
-            </a:r>
-            <a:r>
-              <a:rPr lang="en-US" dirty="0"/>
-              <a:t> -  a stream editor used for modifying files in </a:t>
-            </a:r>
-            <a:r>
-              <a:rPr lang="en-US" dirty="0" err="1"/>
-              <a:t>unix</a:t>
-            </a:r>
-            <a:endParaRPr lang="en-US" dirty="0"/>
-          </a:p>
-        </p:txBody>
-      </p:sp>
-      <p:sp>
-        <p:nvSpPr>
-          <p:cNvPr id="3" name="Content Placeholder 2"/>
-          <p:cNvSpPr>
-            <a:spLocks noGrp="1"/>
-          </p:cNvSpPr>
-          <p:nvPr>
-            <p:ph idx="1"/>
-          </p:nvPr>
-        </p:nvSpPr>
-        <p:spPr>
-          <a:xfrm>
-            <a:off x="838200" y="1778576"/>
-            <a:ext cx="6146800" cy="3923724"/>
-          </a:xfrm>
-        </p:spPr>
-        <p:txBody>
-          <a:bodyPr>
-            <a:noAutofit/>
-          </a:bodyPr>
-          <a:lstStyle/>
-          <a:p>
-            <a:pPr marL="0" indent="0">
-              <a:buNone/>
-            </a:pPr>
-            <a:r>
-              <a:rPr lang="en-US" sz="1800" b="1" dirty="0" err="1">
-                <a:solidFill>
-                  <a:srgbClr val="376092"/>
-                </a:solidFill>
-                <a:latin typeface="Courier New"/>
-                <a:cs typeface="Courier New"/>
-              </a:rPr>
-              <a:t>sed</a:t>
-            </a:r>
-            <a:r>
-              <a:rPr lang="en-US" sz="1800" b="1" dirty="0">
-                <a:solidFill>
-                  <a:srgbClr val="376092"/>
-                </a:solidFill>
-                <a:latin typeface="Courier New"/>
-                <a:cs typeface="Courier New"/>
-              </a:rPr>
-              <a:t> 's/apple/strawberry/' </a:t>
-            </a:r>
-            <a:r>
-              <a:rPr lang="en-US" sz="1800" b="1" dirty="0" err="1">
-                <a:solidFill>
-                  <a:srgbClr val="376092"/>
-                </a:solidFill>
-                <a:latin typeface="Courier New"/>
-                <a:cs typeface="Courier New"/>
-              </a:rPr>
-              <a:t>fruit.txt</a:t>
-            </a:r>
-            <a:endParaRPr lang="en-US" sz="1800" b="1" dirty="0">
-              <a:solidFill>
-                <a:srgbClr val="376092"/>
-              </a:solidFill>
-              <a:latin typeface="Courier New"/>
-              <a:cs typeface="Courier New"/>
-            </a:endParaRPr>
-          </a:p>
-          <a:p>
-            <a:pPr marL="0" indent="0">
-              <a:buNone/>
-            </a:pPr>
-            <a:r>
-              <a:rPr lang="en-US" sz="1800" dirty="0">
-                <a:latin typeface="Courier New"/>
-                <a:cs typeface="Courier New"/>
-              </a:rPr>
-              <a:t>orange	8</a:t>
-            </a:r>
-          </a:p>
-          <a:p>
-            <a:pPr marL="0" indent="0">
-              <a:buNone/>
-            </a:pPr>
-            <a:r>
-              <a:rPr lang="en-US" sz="1800" dirty="0">
-                <a:latin typeface="Courier New"/>
-                <a:cs typeface="Courier New"/>
-              </a:rPr>
-              <a:t>strawberry	6</a:t>
-            </a:r>
-          </a:p>
-          <a:p>
-            <a:pPr marL="0" indent="0">
-              <a:buNone/>
-            </a:pPr>
-            <a:r>
-              <a:rPr lang="en-US" sz="1800" dirty="0">
-                <a:latin typeface="Courier New"/>
-                <a:cs typeface="Courier New"/>
-              </a:rPr>
-              <a:t>peach	12</a:t>
-            </a:r>
-          </a:p>
-          <a:p>
-            <a:pPr marL="0" indent="0">
-              <a:buNone/>
-            </a:pPr>
-            <a:r>
-              <a:rPr lang="en-US" sz="1800" dirty="0">
-                <a:latin typeface="Courier New"/>
-                <a:cs typeface="Courier New"/>
-              </a:rPr>
-              <a:t>banana	5</a:t>
-            </a:r>
-          </a:p>
-          <a:p>
-            <a:pPr marL="0" indent="0">
-              <a:buNone/>
-            </a:pPr>
-            <a:endParaRPr lang="en-US" sz="1800" dirty="0">
-              <a:latin typeface="Courier New"/>
-              <a:cs typeface="Courier New"/>
-            </a:endParaRPr>
-          </a:p>
-          <a:p>
-            <a:pPr marL="0" indent="0">
-              <a:buNone/>
-            </a:pPr>
-            <a:r>
-              <a:rPr lang="en-US" sz="1800" b="1" dirty="0" err="1">
-                <a:solidFill>
-                  <a:srgbClr val="376092"/>
-                </a:solidFill>
-                <a:latin typeface="Courier New"/>
-                <a:cs typeface="Courier New"/>
-              </a:rPr>
-              <a:t>sed</a:t>
-            </a:r>
-            <a:r>
-              <a:rPr lang="en-US" sz="1800" b="1" dirty="0">
-                <a:solidFill>
-                  <a:srgbClr val="376092"/>
-                </a:solidFill>
-                <a:latin typeface="Courier New"/>
-                <a:cs typeface="Courier New"/>
-              </a:rPr>
-              <a:t> 's/apple/strawberry/g' </a:t>
-            </a:r>
-            <a:r>
-              <a:rPr lang="en-US" sz="1800" b="1" dirty="0" err="1">
-                <a:solidFill>
-                  <a:srgbClr val="376092"/>
-                </a:solidFill>
-                <a:latin typeface="Courier New"/>
-                <a:cs typeface="Courier New"/>
-              </a:rPr>
-              <a:t>fruit.txt</a:t>
-            </a:r>
-            <a:endParaRPr lang="en-US" sz="1800" b="1" dirty="0">
-              <a:solidFill>
-                <a:srgbClr val="376092"/>
-              </a:solidFill>
-              <a:latin typeface="Courier New"/>
-              <a:cs typeface="Courier New"/>
-            </a:endParaRPr>
-          </a:p>
-          <a:p>
-            <a:pPr marL="0" indent="0">
-              <a:buNone/>
-            </a:pPr>
-            <a:r>
-              <a:rPr lang="en-US" sz="1800" dirty="0">
-                <a:latin typeface="Courier New"/>
-                <a:cs typeface="Courier New"/>
-              </a:rPr>
-              <a:t>orange	8</a:t>
-            </a:r>
-          </a:p>
-          <a:p>
-            <a:pPr marL="0" indent="0">
-              <a:buNone/>
-            </a:pPr>
-            <a:r>
-              <a:rPr lang="en-US" sz="1800" dirty="0">
-                <a:latin typeface="Courier New"/>
-                <a:cs typeface="Courier New"/>
-              </a:rPr>
-              <a:t>strawberry	6</a:t>
-            </a:r>
-          </a:p>
-          <a:p>
-            <a:pPr marL="0" indent="0">
-              <a:buNone/>
-            </a:pPr>
-            <a:r>
-              <a:rPr lang="en-US" sz="1800" dirty="0">
-                <a:latin typeface="Courier New"/>
-                <a:cs typeface="Courier New"/>
-              </a:rPr>
-              <a:t>peach	12</a:t>
-            </a:r>
-          </a:p>
-          <a:p>
-            <a:pPr marL="0" indent="0">
-              <a:buNone/>
-            </a:pPr>
-            <a:r>
-              <a:rPr lang="en-US" sz="1800" dirty="0">
-                <a:latin typeface="Courier New"/>
-                <a:cs typeface="Courier New"/>
-              </a:rPr>
-              <a:t>banana	5</a:t>
-            </a:r>
-          </a:p>
-        </p:txBody>
-      </p:sp>
-      <p:sp>
-        <p:nvSpPr>
-          <p:cNvPr id="4" name="Slide Number Placeholder 3"/>
-          <p:cNvSpPr>
-            <a:spLocks noGrp="1"/>
-          </p:cNvSpPr>
-          <p:nvPr>
-            <p:ph type="sldNum" sz="quarter" idx="12"/>
-          </p:nvPr>
-        </p:nvSpPr>
-        <p:spPr/>
-        <p:txBody>
-          <a:bodyPr/>
-          <a:lstStyle/>
-          <a:p>
-            <a:fld id="{9DA039C4-C5F2-1743-BB7A-5D831266C61E}" type="slidenum">
-              <a:rPr lang="en-US" smtClean="0"/>
-              <a:t>35</a:t>
             </a:fld>
             <a:endParaRPr lang="en-US"/>
           </a:p>
@@ -21148,7 +20731,7 @@
 </p:sld>
 </file>
 
-<file path=ppt/slides/slide36.xml><?xml version="1.0" encoding="utf-8"?>
+<file path=ppt/slides/slide35.xml><?xml version="1.0" encoding="utf-8"?>
 <p:sld xmlns:a="http://schemas.openxmlformats.org/drawingml/2006/main" xmlns:r="http://schemas.openxmlformats.org/officeDocument/2006/relationships" xmlns:p="http://schemas.openxmlformats.org/presentationml/2006/main">
   <p:cSld>
     <p:spTree>
@@ -21186,12 +20769,13 @@
                   <a:srgbClr val="376092"/>
                 </a:solidFill>
               </a:rPr>
-              <a:t>sed</a:t>
-            </a:r>
-            <a:r>
-              <a:rPr lang="en-US" dirty="0"/>
-              <a:t> - II</a:t>
-            </a:r>
+              <a:t>wget</a:t>
+            </a:r>
+            <a:endParaRPr lang="en-US" b="1" dirty="0">
+              <a:solidFill>
+                <a:srgbClr val="376092"/>
+              </a:solidFill>
+            </a:endParaRPr>
           </a:p>
         </p:txBody>
       </p:sp>
@@ -21207,202 +20791,119 @@
         </p:nvSpPr>
         <p:spPr>
           <a:xfrm>
-            <a:off x="457200" y="1626176"/>
-            <a:ext cx="8229600" cy="3860224"/>
+            <a:off x="139700" y="1307581"/>
+            <a:ext cx="9004300" cy="2562433"/>
           </a:xfrm>
         </p:spPr>
         <p:txBody>
-          <a:bodyPr>
-            <a:noAutofit/>
-          </a:bodyPr>
+          <a:bodyPr/>
           <a:lstStyle/>
           <a:p>
             <a:pPr marL="0" indent="0">
               <a:buNone/>
             </a:pPr>
             <a:r>
-              <a:rPr lang="en-US" sz="1800" b="1" dirty="0" err="1">
+              <a:rPr lang="en-US" dirty="0" err="1">
+                <a:latin typeface="Courier New"/>
+                <a:cs typeface="Courier New"/>
+              </a:rPr>
+              <a:t>wget</a:t>
+            </a:r>
+            <a:r>
+              <a:rPr lang="en-US" dirty="0">
+                <a:latin typeface="Courier New"/>
+                <a:cs typeface="Courier New"/>
+              </a:rPr>
+              <a:t> &lt;</a:t>
+            </a:r>
+            <a:r>
+              <a:rPr lang="en-US" dirty="0" err="1">
+                <a:latin typeface="Courier New"/>
+                <a:cs typeface="Courier New"/>
+              </a:rPr>
+              <a:t>url</a:t>
+            </a:r>
+            <a:r>
+              <a:rPr lang="en-US" dirty="0">
+                <a:latin typeface="Courier New"/>
+                <a:cs typeface="Courier New"/>
+              </a:rPr>
+              <a:t> link to a file&gt;</a:t>
+            </a:r>
+          </a:p>
+          <a:p>
+            <a:pPr marL="0" indent="0">
+              <a:buNone/>
+            </a:pPr>
+            <a:r>
+              <a:rPr lang="en-US" dirty="0" err="1">
+                <a:latin typeface="Courier New"/>
+                <a:cs typeface="Courier New"/>
+              </a:rPr>
+              <a:t>wget</a:t>
+            </a:r>
+            <a:r>
+              <a:rPr lang="en-US" dirty="0">
+                <a:latin typeface="Courier New"/>
+                <a:cs typeface="Courier New"/>
+              </a:rPr>
+              <a:t> &lt;an ftp link&gt;</a:t>
+            </a:r>
+          </a:p>
+          <a:p>
+            <a:pPr marL="0" indent="0">
+              <a:buNone/>
+            </a:pPr>
+            <a:endParaRPr lang="en-US" dirty="0">
+              <a:latin typeface="Courier New"/>
+              <a:cs typeface="Courier New"/>
+            </a:endParaRPr>
+          </a:p>
+          <a:p>
+            <a:pPr marL="0" indent="0">
+              <a:buNone/>
+            </a:pPr>
+            <a:r>
+              <a:rPr lang="en-US" dirty="0">
+                <a:latin typeface="Courier New"/>
+                <a:cs typeface="Courier New"/>
+              </a:rPr>
+              <a:t>example:</a:t>
+            </a:r>
+          </a:p>
+          <a:p>
+            <a:pPr marL="0" indent="0">
+              <a:buNone/>
+            </a:pPr>
+            <a:r>
+              <a:rPr lang="en-US" sz="2000" b="1" dirty="0" err="1">
                 <a:solidFill>
                   <a:srgbClr val="376092"/>
                 </a:solidFill>
                 <a:latin typeface="Courier New"/>
                 <a:cs typeface="Courier New"/>
               </a:rPr>
-              <a:t>sed</a:t>
-            </a:r>
-            <a:r>
-              <a:rPr lang="en-US" sz="1800" b="1" dirty="0">
+              <a:t>wget</a:t>
+            </a:r>
+            <a:r>
+              <a:rPr lang="en-US" sz="2000" b="1" dirty="0">
                 <a:solidFill>
                   <a:srgbClr val="376092"/>
                 </a:solidFill>
                 <a:latin typeface="Courier New"/>
                 <a:cs typeface="Courier New"/>
               </a:rPr>
-              <a:t> 's/apple/{&amp;}/' </a:t>
-            </a:r>
-            <a:r>
-              <a:rPr lang="en-US" sz="1800" b="1" dirty="0" err="1">
+              <a:t> </a:t>
+            </a:r>
+            <a:r>
+              <a:rPr lang="en-US" sz="1000" b="1" dirty="0">
                 <a:solidFill>
                   <a:srgbClr val="376092"/>
                 </a:solidFill>
                 <a:latin typeface="Courier New"/>
                 <a:cs typeface="Courier New"/>
               </a:rPr>
-              <a:t>fruit.txt</a:t>
-            </a:r>
-            <a:endParaRPr lang="en-US" sz="1800" b="1" dirty="0">
-              <a:solidFill>
-                <a:srgbClr val="376092"/>
-              </a:solidFill>
-              <a:latin typeface="Courier New"/>
-              <a:cs typeface="Courier New"/>
-            </a:endParaRPr>
-          </a:p>
-          <a:p>
-            <a:pPr marL="0" indent="0">
-              <a:buNone/>
-            </a:pPr>
-            <a:r>
-              <a:rPr lang="en-US" sz="1800" dirty="0">
-                <a:latin typeface="Courier New"/>
-                <a:cs typeface="Courier New"/>
-              </a:rPr>
-              <a:t>orange	8</a:t>
-            </a:r>
-          </a:p>
-          <a:p>
-            <a:pPr marL="0" indent="0">
-              <a:buNone/>
-            </a:pPr>
-            <a:r>
-              <a:rPr lang="en-US" sz="1800" dirty="0">
-                <a:latin typeface="Courier New"/>
-                <a:cs typeface="Courier New"/>
-              </a:rPr>
-              <a:t>{apple}	6</a:t>
-            </a:r>
-          </a:p>
-          <a:p>
-            <a:pPr marL="0" indent="0">
-              <a:buNone/>
-            </a:pPr>
-            <a:r>
-              <a:rPr lang="en-US" sz="1800" dirty="0">
-                <a:latin typeface="Courier New"/>
-                <a:cs typeface="Courier New"/>
-              </a:rPr>
-              <a:t>peach	12</a:t>
-            </a:r>
-          </a:p>
-          <a:p>
-            <a:pPr marL="0" indent="0">
-              <a:buNone/>
-            </a:pPr>
-            <a:r>
-              <a:rPr lang="en-US" sz="1800" dirty="0">
-                <a:latin typeface="Courier New"/>
-                <a:cs typeface="Courier New"/>
-              </a:rPr>
-              <a:t>banana	5</a:t>
-            </a:r>
-          </a:p>
-          <a:p>
-            <a:pPr marL="0" indent="0">
-              <a:buNone/>
-            </a:pPr>
-            <a:endParaRPr lang="en-US" sz="1800" dirty="0">
-              <a:latin typeface="Courier New"/>
-              <a:cs typeface="Courier New"/>
-            </a:endParaRPr>
-          </a:p>
-          <a:p>
-            <a:pPr marL="0" indent="0">
-              <a:buNone/>
-            </a:pPr>
-            <a:r>
-              <a:rPr lang="en-US" sz="1800" b="1" dirty="0" err="1">
-                <a:solidFill>
-                  <a:srgbClr val="376092"/>
-                </a:solidFill>
-                <a:latin typeface="Courier New"/>
-                <a:cs typeface="Courier New"/>
-              </a:rPr>
-              <a:t>sed</a:t>
-            </a:r>
-            <a:r>
-              <a:rPr lang="en-US" sz="1800" b="1" dirty="0">
-                <a:solidFill>
-                  <a:srgbClr val="376092"/>
-                </a:solidFill>
-                <a:latin typeface="Courier New"/>
-                <a:cs typeface="Courier New"/>
-              </a:rPr>
-              <a:t> '/12/ s/peach/kiwi/' </a:t>
-            </a:r>
-            <a:r>
-              <a:rPr lang="en-US" sz="1800" b="1" dirty="0" err="1">
-                <a:solidFill>
-                  <a:srgbClr val="376092"/>
-                </a:solidFill>
-                <a:latin typeface="Courier New"/>
-                <a:cs typeface="Courier New"/>
-              </a:rPr>
-              <a:t>fruit.txt</a:t>
-            </a:r>
-            <a:endParaRPr lang="en-US" sz="1800" b="1" dirty="0">
-              <a:solidFill>
-                <a:srgbClr val="376092"/>
-              </a:solidFill>
-              <a:latin typeface="Courier New"/>
-              <a:cs typeface="Courier New"/>
-            </a:endParaRPr>
-          </a:p>
-          <a:p>
-            <a:pPr marL="0" indent="0">
-              <a:buNone/>
-            </a:pPr>
-            <a:r>
-              <a:rPr lang="en-US" sz="1800" dirty="0">
-                <a:latin typeface="Courier New"/>
-                <a:cs typeface="Courier New"/>
-              </a:rPr>
-              <a:t>orange	8</a:t>
-            </a:r>
-          </a:p>
-          <a:p>
-            <a:pPr marL="0" indent="0">
-              <a:buNone/>
-            </a:pPr>
-            <a:r>
-              <a:rPr lang="en-US" sz="1800" dirty="0">
-                <a:latin typeface="Courier New"/>
-                <a:cs typeface="Courier New"/>
-              </a:rPr>
-              <a:t>apple	6</a:t>
-            </a:r>
-          </a:p>
-          <a:p>
-            <a:pPr marL="0" indent="0">
-              <a:buNone/>
-            </a:pPr>
-            <a:r>
-              <a:rPr lang="en-US" sz="1800" dirty="0">
-                <a:latin typeface="Courier New"/>
-                <a:cs typeface="Courier New"/>
-              </a:rPr>
-              <a:t>kiwi	12</a:t>
-            </a:r>
-          </a:p>
-          <a:p>
-            <a:pPr marL="0" indent="0">
-              <a:buNone/>
-            </a:pPr>
-            <a:r>
-              <a:rPr lang="en-US" sz="1800" dirty="0">
-                <a:latin typeface="Courier New"/>
-                <a:cs typeface="Courier New"/>
-              </a:rPr>
-              <a:t>banana	5</a:t>
+              <a:t>https://as2.ftcdn.net/v2/jpg/05/03/89/91/1000_F_503899118_vcDwyhOuGYA9Z1h0jiHlnjrXQK0Z1DYr.jpg</a:t>
             </a:r>
           </a:p>
         </p:txBody>
@@ -21424,452 +20925,7 @@
           <a:p>
             <a:fld id="{9DA039C4-C5F2-1743-BB7A-5D831266C61E}" type="slidenum">
               <a:rPr lang="en-US" smtClean="0"/>
-              <a:t>36</a:t>
-            </a:fld>
-            <a:endParaRPr lang="en-US"/>
-          </a:p>
-        </p:txBody>
-      </p:sp>
-      <p:sp>
-        <p:nvSpPr>
-          <p:cNvPr id="5" name="Content Placeholder 2"/>
-          <p:cNvSpPr txBox="1">
-            <a:spLocks/>
-          </p:cNvSpPr>
-          <p:nvPr/>
-        </p:nvSpPr>
-        <p:spPr>
-          <a:xfrm>
-            <a:off x="6705600" y="797726"/>
-            <a:ext cx="1981200" cy="1656900"/>
-          </a:xfrm>
-          <a:prstGeom prst="rect">
-            <a:avLst/>
-          </a:prstGeom>
-        </p:spPr>
-        <p:txBody>
-          <a:bodyPr vert="horz" lIns="91440" tIns="45720" rIns="91440" bIns="45720" rtlCol="0">
-            <a:noAutofit/>
-          </a:bodyPr>
-          <a:lstStyle>
-            <a:lvl1pPr marL="342900" indent="-342900" algn="l" defTabSz="457200" rtl="0" eaLnBrk="1" latinLnBrk="0" hangingPunct="1">
-              <a:spcBef>
-                <a:spcPct val="20000"/>
-              </a:spcBef>
-              <a:buFont typeface="Arial"/>
-              <a:buChar char="•"/>
-              <a:defRPr sz="2400" kern="1200">
-                <a:solidFill>
-                  <a:schemeClr val="tx1"/>
-                </a:solidFill>
-                <a:latin typeface="+mn-lt"/>
-                <a:ea typeface="+mn-ea"/>
-                <a:cs typeface="+mn-cs"/>
-              </a:defRPr>
-            </a:lvl1pPr>
-            <a:lvl2pPr marL="742950" indent="-285750" algn="l" defTabSz="457200" rtl="0" eaLnBrk="1" latinLnBrk="0" hangingPunct="1">
-              <a:spcBef>
-                <a:spcPct val="20000"/>
-              </a:spcBef>
-              <a:buFont typeface="Arial"/>
-              <a:buChar char="–"/>
-              <a:defRPr sz="2400" kern="1200">
-                <a:solidFill>
-                  <a:schemeClr val="tx1"/>
-                </a:solidFill>
-                <a:latin typeface="+mn-lt"/>
-                <a:ea typeface="+mn-ea"/>
-                <a:cs typeface="+mn-cs"/>
-              </a:defRPr>
-            </a:lvl2pPr>
-            <a:lvl3pPr marL="1143000" indent="-228600" algn="l" defTabSz="457200" rtl="0" eaLnBrk="1" latinLnBrk="0" hangingPunct="1">
-              <a:spcBef>
-                <a:spcPct val="20000"/>
-              </a:spcBef>
-              <a:buFont typeface="Arial"/>
-              <a:buChar char="•"/>
-              <a:defRPr sz="2400" kern="1200">
-                <a:solidFill>
-                  <a:schemeClr val="tx1"/>
-                </a:solidFill>
-                <a:latin typeface="+mn-lt"/>
-                <a:ea typeface="+mn-ea"/>
-                <a:cs typeface="+mn-cs"/>
-              </a:defRPr>
-            </a:lvl3pPr>
-            <a:lvl4pPr marL="1600200" indent="-228600" algn="l" defTabSz="457200" rtl="0" eaLnBrk="1" latinLnBrk="0" hangingPunct="1">
-              <a:spcBef>
-                <a:spcPct val="20000"/>
-              </a:spcBef>
-              <a:buFont typeface="Arial"/>
-              <a:buChar char="–"/>
-              <a:defRPr sz="2400" kern="1200">
-                <a:solidFill>
-                  <a:schemeClr val="tx1"/>
-                </a:solidFill>
-                <a:latin typeface="+mn-lt"/>
-                <a:ea typeface="+mn-ea"/>
-                <a:cs typeface="+mn-cs"/>
-              </a:defRPr>
-            </a:lvl4pPr>
-            <a:lvl5pPr marL="2057400" indent="-228600" algn="l" defTabSz="457200" rtl="0" eaLnBrk="1" latinLnBrk="0" hangingPunct="1">
-              <a:spcBef>
-                <a:spcPct val="20000"/>
-              </a:spcBef>
-              <a:buFont typeface="Arial"/>
-              <a:buChar char="»"/>
-              <a:defRPr sz="2400" kern="1200">
-                <a:solidFill>
-                  <a:schemeClr val="tx1"/>
-                </a:solidFill>
-                <a:latin typeface="+mn-lt"/>
-                <a:ea typeface="+mn-ea"/>
-                <a:cs typeface="+mn-cs"/>
-              </a:defRPr>
-            </a:lvl5pPr>
-            <a:lvl6pPr marL="2514600" indent="-228600" algn="l" defTabSz="457200" rtl="0" eaLnBrk="1" latinLnBrk="0" hangingPunct="1">
-              <a:spcBef>
-                <a:spcPct val="20000"/>
-              </a:spcBef>
-              <a:buFont typeface="Arial"/>
-              <a:buChar char="•"/>
-              <a:defRPr sz="2000" kern="1200">
-                <a:solidFill>
-                  <a:schemeClr val="tx1"/>
-                </a:solidFill>
-                <a:latin typeface="+mn-lt"/>
-                <a:ea typeface="+mn-ea"/>
-                <a:cs typeface="+mn-cs"/>
-              </a:defRPr>
-            </a:lvl6pPr>
-            <a:lvl7pPr marL="2971800" indent="-228600" algn="l" defTabSz="457200" rtl="0" eaLnBrk="1" latinLnBrk="0" hangingPunct="1">
-              <a:spcBef>
-                <a:spcPct val="20000"/>
-              </a:spcBef>
-              <a:buFont typeface="Arial"/>
-              <a:buChar char="•"/>
-              <a:defRPr sz="2000" kern="1200">
-                <a:solidFill>
-                  <a:schemeClr val="tx1"/>
-                </a:solidFill>
-                <a:latin typeface="+mn-lt"/>
-                <a:ea typeface="+mn-ea"/>
-                <a:cs typeface="+mn-cs"/>
-              </a:defRPr>
-            </a:lvl7pPr>
-            <a:lvl8pPr marL="3429000" indent="-228600" algn="l" defTabSz="457200" rtl="0" eaLnBrk="1" latinLnBrk="0" hangingPunct="1">
-              <a:spcBef>
-                <a:spcPct val="20000"/>
-              </a:spcBef>
-              <a:buFont typeface="Arial"/>
-              <a:buChar char="•"/>
-              <a:defRPr sz="2000" kern="1200">
-                <a:solidFill>
-                  <a:schemeClr val="tx1"/>
-                </a:solidFill>
-                <a:latin typeface="+mn-lt"/>
-                <a:ea typeface="+mn-ea"/>
-                <a:cs typeface="+mn-cs"/>
-              </a:defRPr>
-            </a:lvl8pPr>
-            <a:lvl9pPr marL="3886200" indent="-228600" algn="l" defTabSz="457200" rtl="0" eaLnBrk="1" latinLnBrk="0" hangingPunct="1">
-              <a:spcBef>
-                <a:spcPct val="20000"/>
-              </a:spcBef>
-              <a:buFont typeface="Arial"/>
-              <a:buChar char="•"/>
-              <a:defRPr sz="2000" kern="1200">
-                <a:solidFill>
-                  <a:schemeClr val="tx1"/>
-                </a:solidFill>
-                <a:latin typeface="+mn-lt"/>
-                <a:ea typeface="+mn-ea"/>
-                <a:cs typeface="+mn-cs"/>
-              </a:defRPr>
-            </a:lvl9pPr>
-          </a:lstStyle>
-          <a:p>
-            <a:pPr marL="0" indent="0">
-              <a:buFont typeface="Arial"/>
-              <a:buNone/>
-            </a:pPr>
-            <a:r>
-              <a:rPr lang="en-US" sz="1600" b="1" dirty="0" err="1">
-                <a:latin typeface="Courier New"/>
-                <a:cs typeface="Courier New"/>
-              </a:rPr>
-              <a:t>fruit.txt</a:t>
-            </a:r>
-            <a:r>
-              <a:rPr lang="en-US" sz="1600" b="1" dirty="0">
-                <a:latin typeface="Courier New"/>
-                <a:cs typeface="Courier New"/>
-              </a:rPr>
-              <a:t> </a:t>
-            </a:r>
-          </a:p>
-          <a:p>
-            <a:pPr marL="0" indent="0">
-              <a:buFont typeface="Arial"/>
-              <a:buNone/>
-            </a:pPr>
-            <a:r>
-              <a:rPr lang="en-US" sz="1600" dirty="0">
-                <a:latin typeface="Courier New"/>
-                <a:cs typeface="Courier New"/>
-              </a:rPr>
-              <a:t>orange	8</a:t>
-            </a:r>
-          </a:p>
-          <a:p>
-            <a:pPr marL="0" indent="0">
-              <a:buFont typeface="Arial"/>
-              <a:buNone/>
-            </a:pPr>
-            <a:r>
-              <a:rPr lang="en-US" sz="1600" dirty="0">
-                <a:latin typeface="Courier New"/>
-                <a:cs typeface="Courier New"/>
-              </a:rPr>
-              <a:t>apple	6</a:t>
-            </a:r>
-          </a:p>
-          <a:p>
-            <a:pPr marL="0" indent="0">
-              <a:buFont typeface="Arial"/>
-              <a:buNone/>
-            </a:pPr>
-            <a:r>
-              <a:rPr lang="en-US" sz="1600" dirty="0">
-                <a:latin typeface="Courier New"/>
-                <a:cs typeface="Courier New"/>
-              </a:rPr>
-              <a:t>peach	12</a:t>
-            </a:r>
-          </a:p>
-          <a:p>
-            <a:pPr marL="0" indent="0">
-              <a:buFont typeface="Arial"/>
-              <a:buNone/>
-            </a:pPr>
-            <a:r>
-              <a:rPr lang="en-US" sz="1600" dirty="0">
-                <a:latin typeface="Courier New"/>
-                <a:cs typeface="Courier New"/>
-              </a:rPr>
-              <a:t>banana	5</a:t>
-            </a:r>
-          </a:p>
-        </p:txBody>
-      </p:sp>
-    </p:spTree>
-    <p:extLst>
-      <p:ext uri="{BB962C8B-B14F-4D97-AF65-F5344CB8AC3E}">
-        <p14:creationId xmlns:p14="http://schemas.microsoft.com/office/powerpoint/2010/main" val="1653373076"/>
-      </p:ext>
-    </p:extLst>
-  </p:cSld>
-  <p:clrMapOvr>
-    <a:masterClrMapping/>
-  </p:clrMapOvr>
-</p:sld>
-</file>
-
-<file path=ppt/slides/slide37.xml><?xml version="1.0" encoding="utf-8"?>
-<p:sld xmlns:a="http://schemas.openxmlformats.org/drawingml/2006/main" xmlns:r="http://schemas.openxmlformats.org/officeDocument/2006/relationships" xmlns:p="http://schemas.openxmlformats.org/presentationml/2006/main">
-  <p:cSld>
-    <p:spTree>
-      <p:nvGrpSpPr>
-        <p:cNvPr id="1" name=""/>
-        <p:cNvGrpSpPr/>
-        <p:nvPr/>
-      </p:nvGrpSpPr>
-      <p:grpSpPr>
-        <a:xfrm>
-          <a:off x="0" y="0"/>
-          <a:ext cx="0" cy="0"/>
-          <a:chOff x="0" y="0"/>
-          <a:chExt cx="0" cy="0"/>
-        </a:xfrm>
-      </p:grpSpPr>
-      <p:sp>
-        <p:nvSpPr>
-          <p:cNvPr id="2" name="Title 1"/>
-          <p:cNvSpPr>
-            <a:spLocks noGrp="1"/>
-          </p:cNvSpPr>
-          <p:nvPr>
-            <p:ph type="title"/>
-          </p:nvPr>
-        </p:nvSpPr>
-        <p:spPr/>
-        <p:txBody>
-          <a:bodyPr/>
-          <a:lstStyle/>
-          <a:p>
-            <a:r>
-              <a:rPr lang="en-US" b="1" dirty="0" err="1">
-                <a:solidFill>
-                  <a:srgbClr val="376092"/>
-                </a:solidFill>
-              </a:rPr>
-              <a:t>wget</a:t>
-            </a:r>
-            <a:endParaRPr lang="en-US" b="1" dirty="0">
-              <a:solidFill>
-                <a:srgbClr val="376092"/>
-              </a:solidFill>
-            </a:endParaRPr>
-          </a:p>
-        </p:txBody>
-      </p:sp>
-      <p:sp>
-        <p:nvSpPr>
-          <p:cNvPr id="3" name="Content Placeholder 2"/>
-          <p:cNvSpPr>
-            <a:spLocks noGrp="1"/>
-          </p:cNvSpPr>
-          <p:nvPr>
-            <p:ph idx="1"/>
-          </p:nvPr>
-        </p:nvSpPr>
-        <p:spPr>
-          <a:xfrm>
-            <a:off x="139700" y="1307581"/>
-            <a:ext cx="9004300" cy="2562433"/>
-          </a:xfrm>
-        </p:spPr>
-        <p:txBody>
-          <a:bodyPr/>
-          <a:lstStyle/>
-          <a:p>
-            <a:pPr marL="0" indent="0">
-              <a:buNone/>
-            </a:pPr>
-            <a:r>
-              <a:rPr lang="en-US" dirty="0" err="1">
-                <a:latin typeface="Courier New"/>
-                <a:cs typeface="Courier New"/>
-              </a:rPr>
-              <a:t>wget</a:t>
-            </a:r>
-            <a:r>
-              <a:rPr lang="en-US" dirty="0">
-                <a:latin typeface="Courier New"/>
-                <a:cs typeface="Courier New"/>
-              </a:rPr>
-              <a:t> &lt;</a:t>
-            </a:r>
-            <a:r>
-              <a:rPr lang="en-US" dirty="0" err="1">
-                <a:latin typeface="Courier New"/>
-                <a:cs typeface="Courier New"/>
-              </a:rPr>
-              <a:t>url</a:t>
-            </a:r>
-            <a:r>
-              <a:rPr lang="en-US" dirty="0">
-                <a:latin typeface="Courier New"/>
-                <a:cs typeface="Courier New"/>
-              </a:rPr>
-              <a:t> link to a file&gt;</a:t>
-            </a:r>
-          </a:p>
-          <a:p>
-            <a:pPr marL="0" indent="0">
-              <a:buNone/>
-            </a:pPr>
-            <a:r>
-              <a:rPr lang="en-US" dirty="0" err="1">
-                <a:latin typeface="Courier New"/>
-                <a:cs typeface="Courier New"/>
-              </a:rPr>
-              <a:t>wget</a:t>
-            </a:r>
-            <a:r>
-              <a:rPr lang="en-US" dirty="0">
-                <a:latin typeface="Courier New"/>
-                <a:cs typeface="Courier New"/>
-              </a:rPr>
-              <a:t> &lt;a ftp link&gt;</a:t>
-            </a:r>
-          </a:p>
-          <a:p>
-            <a:pPr marL="0" indent="0">
-              <a:buNone/>
-            </a:pPr>
-            <a:endParaRPr lang="en-US" dirty="0">
-              <a:latin typeface="Courier New"/>
-              <a:cs typeface="Courier New"/>
-            </a:endParaRPr>
-          </a:p>
-          <a:p>
-            <a:pPr marL="0" indent="0">
-              <a:buNone/>
-            </a:pPr>
-            <a:r>
-              <a:rPr lang="en-US" dirty="0">
-                <a:latin typeface="Courier New"/>
-                <a:cs typeface="Courier New"/>
-              </a:rPr>
-              <a:t>example:</a:t>
-            </a:r>
-          </a:p>
-          <a:p>
-            <a:pPr marL="0" indent="0">
-              <a:buNone/>
-            </a:pPr>
-            <a:r>
-              <a:rPr lang="en-US" sz="2000" b="1" dirty="0" err="1">
-                <a:solidFill>
-                  <a:srgbClr val="376092"/>
-                </a:solidFill>
-                <a:latin typeface="Courier New"/>
-                <a:cs typeface="Courier New"/>
-              </a:rPr>
-              <a:t>wget</a:t>
-            </a:r>
-            <a:r>
-              <a:rPr lang="en-US" sz="2000" b="1" dirty="0">
-                <a:solidFill>
-                  <a:srgbClr val="376092"/>
-                </a:solidFill>
-                <a:latin typeface="Courier New"/>
-                <a:cs typeface="Courier New"/>
-              </a:rPr>
-              <a:t> </a:t>
-            </a:r>
-            <a:r>
-              <a:rPr lang="en-US" sz="1000" b="1" dirty="0">
-                <a:solidFill>
-                  <a:srgbClr val="376092"/>
-                </a:solidFill>
-                <a:latin typeface="Courier New"/>
-                <a:cs typeface="Courier New"/>
-              </a:rPr>
-              <a:t>https://as2.ftcdn.net/v2/jpg/05/03/89/91/1000_F_503899118_vcDwyhOuGYA9Z1h0jiHlnjrXQK0Z1DYr.jpg</a:t>
-            </a:r>
-          </a:p>
-        </p:txBody>
-      </p:sp>
-      <p:sp>
-        <p:nvSpPr>
-          <p:cNvPr id="4" name="Slide Number Placeholder 3"/>
-          <p:cNvSpPr>
-            <a:spLocks noGrp="1"/>
-          </p:cNvSpPr>
-          <p:nvPr>
-            <p:ph type="sldNum" sz="quarter" idx="12"/>
-          </p:nvPr>
-        </p:nvSpPr>
-        <p:spPr/>
-        <p:txBody>
-          <a:bodyPr/>
-          <a:lstStyle/>
-          <a:p>
-            <a:fld id="{9DA039C4-C5F2-1743-BB7A-5D831266C61E}" type="slidenum">
-              <a:rPr lang="en-US" smtClean="0"/>
-              <a:t>37</a:t>
+              <a:t>35</a:t>
             </a:fld>
             <a:endParaRPr lang="en-US"/>
           </a:p>
@@ -21993,7 +21049,7 @@
 </p:sld>
 </file>
 
-<file path=ppt/slides/slide38.xml><?xml version="1.0" encoding="utf-8"?>
+<file path=ppt/slides/slide36.xml><?xml version="1.0" encoding="utf-8"?>
 <p:sld xmlns:a="http://schemas.openxmlformats.org/drawingml/2006/main" xmlns:r="http://schemas.openxmlformats.org/officeDocument/2006/relationships" xmlns:p="http://schemas.openxmlformats.org/presentationml/2006/main">
   <p:cSld>
     <p:spTree>
@@ -22053,7 +21109,7 @@
           <a:p>
             <a:fld id="{9DA039C4-C5F2-1743-BB7A-5D831266C61E}" type="slidenum">
               <a:rPr lang="en-US" smtClean="0"/>
-              <a:t>38</a:t>
+              <a:t>36</a:t>
             </a:fld>
             <a:endParaRPr lang="en-US"/>
           </a:p>
@@ -22119,7 +21175,7 @@
 </p:sld>
 </file>
 
-<file path=ppt/slides/slide39.xml><?xml version="1.0" encoding="utf-8"?>
+<file path=ppt/slides/slide37.xml><?xml version="1.0" encoding="utf-8"?>
 <p:sld xmlns:a="http://schemas.openxmlformats.org/drawingml/2006/main" xmlns:r="http://schemas.openxmlformats.org/officeDocument/2006/relationships" xmlns:p="http://schemas.openxmlformats.org/presentationml/2006/main">
   <p:cSld>
     <p:spTree>
@@ -22154,7 +21210,7 @@
             <a:fld id="{25398D95-D846-E74D-ACA6-9AE50441329D}" type="slidenum">
               <a:rPr lang="en-US"/>
               <a:pPr/>
-              <a:t>39</a:t>
+              <a:t>37</a:t>
             </a:fld>
             <a:endParaRPr lang="en-US"/>
           </a:p>
@@ -22411,6 +21467,357 @@
 </p:sld>
 </file>
 
+<file path=ppt/slides/slide38.xml><?xml version="1.0" encoding="utf-8"?>
+<p:sld xmlns:a="http://schemas.openxmlformats.org/drawingml/2006/main" xmlns:r="http://schemas.openxmlformats.org/officeDocument/2006/relationships" xmlns:p="http://schemas.openxmlformats.org/presentationml/2006/main">
+  <p:cSld>
+    <p:spTree>
+      <p:nvGrpSpPr>
+        <p:cNvPr id="1" name=""/>
+        <p:cNvGrpSpPr/>
+        <p:nvPr/>
+      </p:nvGrpSpPr>
+      <p:grpSpPr>
+        <a:xfrm>
+          <a:off x="0" y="0"/>
+          <a:ext cx="0" cy="0"/>
+          <a:chOff x="0" y="0"/>
+          <a:chExt cx="0" cy="0"/>
+        </a:xfrm>
+      </p:grpSpPr>
+      <p:sp>
+        <p:nvSpPr>
+          <p:cNvPr id="6" name="Slide Number Placeholder 5"/>
+          <p:cNvSpPr>
+            <a:spLocks noGrp="1"/>
+          </p:cNvSpPr>
+          <p:nvPr>
+            <p:ph type="sldNum" sz="quarter" idx="12"/>
+          </p:nvPr>
+        </p:nvSpPr>
+        <p:spPr/>
+        <p:txBody>
+          <a:bodyPr/>
+          <a:lstStyle/>
+          <a:p>
+            <a:fld id="{03BC734D-F102-F341-898A-E4A99792BBD6}" type="slidenum">
+              <a:rPr lang="en-US"/>
+              <a:pPr/>
+              <a:t>38</a:t>
+            </a:fld>
+            <a:endParaRPr lang="en-US"/>
+          </a:p>
+        </p:txBody>
+      </p:sp>
+      <p:sp>
+        <p:nvSpPr>
+          <p:cNvPr id="29698" name="Rectangle 2"/>
+          <p:cNvSpPr>
+            <a:spLocks noGrp="1" noChangeArrowheads="1"/>
+          </p:cNvSpPr>
+          <p:nvPr>
+            <p:ph type="title"/>
+          </p:nvPr>
+        </p:nvSpPr>
+        <p:spPr/>
+        <p:txBody>
+          <a:bodyPr/>
+          <a:lstStyle/>
+          <a:p>
+            <a:r>
+              <a:rPr lang="en-US" dirty="0"/>
+              <a:t>h</a:t>
+            </a:r>
+            <a:r>
+              <a:rPr lang="en-US" dirty="0">
+                <a:latin typeface="+mj-lt"/>
+              </a:rPr>
+              <a:t>istory, clear</a:t>
+            </a:r>
+          </a:p>
+        </p:txBody>
+      </p:sp>
+      <p:sp>
+        <p:nvSpPr>
+          <p:cNvPr id="29699" name="Rectangle 3"/>
+          <p:cNvSpPr>
+            <a:spLocks noGrp="1" noChangeArrowheads="1"/>
+          </p:cNvSpPr>
+          <p:nvPr>
+            <p:ph type="body" idx="1"/>
+          </p:nvPr>
+        </p:nvSpPr>
+        <p:spPr>
+          <a:xfrm>
+            <a:off x="1286607" y="1782316"/>
+            <a:ext cx="6938349" cy="2779604"/>
+          </a:xfrm>
+        </p:spPr>
+        <p:txBody>
+          <a:bodyPr/>
+          <a:lstStyle/>
+          <a:p>
+            <a:r>
+              <a:rPr lang="en-US" b="1" dirty="0">
+                <a:solidFill>
+                  <a:srgbClr val="17375E"/>
+                </a:solidFill>
+              </a:rPr>
+              <a:t>history</a:t>
+            </a:r>
+            <a:r>
+              <a:rPr lang="en-US" dirty="0"/>
+              <a:t> - document of command lines</a:t>
+            </a:r>
+          </a:p>
+          <a:p>
+            <a:pPr marL="0" indent="0">
+              <a:buNone/>
+            </a:pPr>
+            <a:r>
+              <a:rPr lang="en-US" dirty="0"/>
+              <a:t>% history</a:t>
+            </a:r>
+          </a:p>
+          <a:p>
+            <a:pPr marL="0" indent="0">
+              <a:buNone/>
+            </a:pPr>
+            <a:endParaRPr lang="en-US" dirty="0"/>
+          </a:p>
+          <a:p>
+            <a:r>
+              <a:rPr lang="en-US" b="1" dirty="0">
+                <a:solidFill>
+                  <a:srgbClr val="17375E"/>
+                </a:solidFill>
+              </a:rPr>
+              <a:t>clear</a:t>
+            </a:r>
+            <a:r>
+              <a:rPr lang="en-US" dirty="0"/>
+              <a:t> - clear the terminal screen</a:t>
+            </a:r>
+          </a:p>
+          <a:p>
+            <a:pPr marL="0" indent="0">
+              <a:buNone/>
+            </a:pPr>
+            <a:r>
+              <a:rPr lang="en-US" dirty="0"/>
+              <a:t>% clear</a:t>
+            </a:r>
+          </a:p>
+        </p:txBody>
+      </p:sp>
+    </p:spTree>
+    <p:extLst>
+      <p:ext uri="{BB962C8B-B14F-4D97-AF65-F5344CB8AC3E}">
+        <p14:creationId xmlns:p14="http://schemas.microsoft.com/office/powerpoint/2010/main" val="2826232650"/>
+      </p:ext>
+    </p:extLst>
+  </p:cSld>
+  <p:clrMapOvr>
+    <a:masterClrMapping/>
+  </p:clrMapOvr>
+</p:sld>
+</file>
+
+<file path=ppt/slides/slide39.xml><?xml version="1.0" encoding="utf-8"?>
+<p:sld xmlns:a="http://schemas.openxmlformats.org/drawingml/2006/main" xmlns:r="http://schemas.openxmlformats.org/officeDocument/2006/relationships" xmlns:p="http://schemas.openxmlformats.org/presentationml/2006/main">
+  <p:cSld>
+    <p:spTree>
+      <p:nvGrpSpPr>
+        <p:cNvPr id="1" name=""/>
+        <p:cNvGrpSpPr/>
+        <p:nvPr/>
+      </p:nvGrpSpPr>
+      <p:grpSpPr>
+        <a:xfrm>
+          <a:off x="0" y="0"/>
+          <a:ext cx="0" cy="0"/>
+          <a:chOff x="0" y="0"/>
+          <a:chExt cx="0" cy="0"/>
+        </a:xfrm>
+      </p:grpSpPr>
+      <p:sp>
+        <p:nvSpPr>
+          <p:cNvPr id="6" name="Slide Number Placeholder 5"/>
+          <p:cNvSpPr>
+            <a:spLocks noGrp="1"/>
+          </p:cNvSpPr>
+          <p:nvPr>
+            <p:ph type="sldNum" sz="quarter" idx="12"/>
+          </p:nvPr>
+        </p:nvSpPr>
+        <p:spPr/>
+        <p:txBody>
+          <a:bodyPr/>
+          <a:lstStyle/>
+          <a:p>
+            <a:fld id="{8467816C-81CD-8D44-B314-D09829FFD154}" type="slidenum">
+              <a:rPr lang="en-US"/>
+              <a:pPr/>
+              <a:t>39</a:t>
+            </a:fld>
+            <a:endParaRPr lang="en-US"/>
+          </a:p>
+        </p:txBody>
+      </p:sp>
+      <p:sp>
+        <p:nvSpPr>
+          <p:cNvPr id="22530" name="Rectangle 2"/>
+          <p:cNvSpPr>
+            <a:spLocks noGrp="1" noChangeArrowheads="1"/>
+          </p:cNvSpPr>
+          <p:nvPr>
+            <p:ph type="title"/>
+          </p:nvPr>
+        </p:nvSpPr>
+        <p:spPr>
+          <a:xfrm>
+            <a:off x="685800" y="76200"/>
+            <a:ext cx="7772400" cy="1143000"/>
+          </a:xfrm>
+        </p:spPr>
+        <p:txBody>
+          <a:bodyPr/>
+          <a:lstStyle/>
+          <a:p>
+            <a:r>
+              <a:rPr lang="en-US" b="1" dirty="0">
+                <a:solidFill>
+                  <a:srgbClr val="17375E"/>
+                </a:solidFill>
+                <a:latin typeface="+mj-lt"/>
+              </a:rPr>
+              <a:t>man</a:t>
+            </a:r>
+          </a:p>
+        </p:txBody>
+      </p:sp>
+      <p:sp>
+        <p:nvSpPr>
+          <p:cNvPr id="22531" name="Rectangle 3"/>
+          <p:cNvSpPr>
+            <a:spLocks noGrp="1" noChangeArrowheads="1"/>
+          </p:cNvSpPr>
+          <p:nvPr>
+            <p:ph type="body" idx="1"/>
+          </p:nvPr>
+        </p:nvSpPr>
+        <p:spPr>
+          <a:xfrm>
+            <a:off x="798089" y="1300080"/>
+            <a:ext cx="7888711" cy="4773840"/>
+          </a:xfrm>
+        </p:spPr>
+        <p:txBody>
+          <a:bodyPr>
+            <a:normAutofit/>
+          </a:bodyPr>
+          <a:lstStyle/>
+          <a:p>
+            <a:r>
+              <a:rPr lang="en-US" sz="2800" dirty="0">
+                <a:latin typeface="+mj-lt"/>
+              </a:rPr>
+              <a:t>Manual Pages</a:t>
+            </a:r>
+          </a:p>
+          <a:p>
+            <a:pPr marL="0" indent="0">
+              <a:buNone/>
+            </a:pPr>
+            <a:r>
+              <a:rPr lang="en-US" sz="2800" dirty="0">
+                <a:latin typeface="Courier"/>
+                <a:cs typeface="Courier"/>
+              </a:rPr>
+              <a:t>% man </a:t>
+            </a:r>
+            <a:r>
+              <a:rPr lang="en-US" sz="2800" dirty="0" err="1">
+                <a:latin typeface="Courier"/>
+                <a:cs typeface="Courier"/>
+              </a:rPr>
+              <a:t>grep</a:t>
+            </a:r>
+            <a:endParaRPr lang="en-US" sz="2800" dirty="0">
+              <a:latin typeface="Courier"/>
+              <a:cs typeface="Courier"/>
+            </a:endParaRPr>
+          </a:p>
+          <a:p>
+            <a:pPr marL="0" indent="0">
+              <a:buNone/>
+            </a:pPr>
+            <a:endParaRPr lang="en-US" sz="2800" dirty="0">
+              <a:latin typeface="+mj-lt"/>
+            </a:endParaRPr>
+          </a:p>
+          <a:p>
+            <a:r>
+              <a:rPr lang="en-US" sz="2800" dirty="0">
+                <a:latin typeface="+mj-lt"/>
+              </a:rPr>
+              <a:t>Detailed information about each command</a:t>
+            </a:r>
+          </a:p>
+          <a:p>
+            <a:r>
+              <a:rPr lang="en-US" sz="2800" dirty="0">
+                <a:latin typeface="+mj-lt"/>
+              </a:rPr>
+              <a:t>Could be too detailed to find the answer</a:t>
+            </a:r>
+          </a:p>
+          <a:p>
+            <a:endParaRPr lang="en-US" sz="2800" dirty="0">
+              <a:latin typeface="+mj-lt"/>
+            </a:endParaRPr>
+          </a:p>
+          <a:p>
+            <a:pPr marL="0" indent="0">
+              <a:buNone/>
+            </a:pPr>
+            <a:r>
+              <a:rPr lang="en-US" sz="2800" dirty="0">
+                <a:latin typeface="+mj-lt"/>
+              </a:rPr>
+              <a:t>Sometimes it is more efficient to …</a:t>
+            </a:r>
+          </a:p>
+          <a:p>
+            <a:r>
+              <a:rPr lang="en-US" sz="2800" dirty="0">
+                <a:latin typeface="+mj-lt"/>
+              </a:rPr>
+              <a:t>Google “how-to”</a:t>
+            </a:r>
+          </a:p>
+          <a:p>
+            <a:r>
+              <a:rPr lang="en-US" sz="2800" dirty="0">
+                <a:latin typeface="+mj-lt"/>
+              </a:rPr>
+              <a:t>Ask questions</a:t>
+            </a:r>
+          </a:p>
+        </p:txBody>
+      </p:sp>
+    </p:spTree>
+    <p:extLst>
+      <p:ext uri="{BB962C8B-B14F-4D97-AF65-F5344CB8AC3E}">
+        <p14:creationId xmlns:p14="http://schemas.microsoft.com/office/powerpoint/2010/main" val="2668058711"/>
+      </p:ext>
+    </p:extLst>
+  </p:cSld>
+  <p:clrMapOvr>
+    <a:masterClrMapping/>
+  </p:clrMapOvr>
+</p:sld>
+</file>
+
 <file path=ppt/slides/slide4.xml><?xml version="1.0" encoding="utf-8"?>
 <p:sld xmlns:a="http://schemas.openxmlformats.org/drawingml/2006/main" xmlns:r="http://schemas.openxmlformats.org/officeDocument/2006/relationships" xmlns:p="http://schemas.openxmlformats.org/presentationml/2006/main">
   <p:cSld>
@@ -22676,357 +22083,6 @@
     <p:extLst>
       <p:ext uri="{BB962C8B-B14F-4D97-AF65-F5344CB8AC3E}">
         <p14:creationId xmlns:p14="http://schemas.microsoft.com/office/powerpoint/2010/main" val="1695646722"/>
-      </p:ext>
-    </p:extLst>
-  </p:cSld>
-  <p:clrMapOvr>
-    <a:masterClrMapping/>
-  </p:clrMapOvr>
-</p:sld>
-</file>
-
-<file path=ppt/slides/slide40.xml><?xml version="1.0" encoding="utf-8"?>
-<p:sld xmlns:a="http://schemas.openxmlformats.org/drawingml/2006/main" xmlns:r="http://schemas.openxmlformats.org/officeDocument/2006/relationships" xmlns:p="http://schemas.openxmlformats.org/presentationml/2006/main">
-  <p:cSld>
-    <p:spTree>
-      <p:nvGrpSpPr>
-        <p:cNvPr id="1" name=""/>
-        <p:cNvGrpSpPr/>
-        <p:nvPr/>
-      </p:nvGrpSpPr>
-      <p:grpSpPr>
-        <a:xfrm>
-          <a:off x="0" y="0"/>
-          <a:ext cx="0" cy="0"/>
-          <a:chOff x="0" y="0"/>
-          <a:chExt cx="0" cy="0"/>
-        </a:xfrm>
-      </p:grpSpPr>
-      <p:sp>
-        <p:nvSpPr>
-          <p:cNvPr id="6" name="Slide Number Placeholder 5"/>
-          <p:cNvSpPr>
-            <a:spLocks noGrp="1"/>
-          </p:cNvSpPr>
-          <p:nvPr>
-            <p:ph type="sldNum" sz="quarter" idx="12"/>
-          </p:nvPr>
-        </p:nvSpPr>
-        <p:spPr/>
-        <p:txBody>
-          <a:bodyPr/>
-          <a:lstStyle/>
-          <a:p>
-            <a:fld id="{03BC734D-F102-F341-898A-E4A99792BBD6}" type="slidenum">
-              <a:rPr lang="en-US"/>
-              <a:pPr/>
-              <a:t>40</a:t>
-            </a:fld>
-            <a:endParaRPr lang="en-US"/>
-          </a:p>
-        </p:txBody>
-      </p:sp>
-      <p:sp>
-        <p:nvSpPr>
-          <p:cNvPr id="29698" name="Rectangle 2"/>
-          <p:cNvSpPr>
-            <a:spLocks noGrp="1" noChangeArrowheads="1"/>
-          </p:cNvSpPr>
-          <p:nvPr>
-            <p:ph type="title"/>
-          </p:nvPr>
-        </p:nvSpPr>
-        <p:spPr/>
-        <p:txBody>
-          <a:bodyPr/>
-          <a:lstStyle/>
-          <a:p>
-            <a:r>
-              <a:rPr lang="en-US" dirty="0"/>
-              <a:t>h</a:t>
-            </a:r>
-            <a:r>
-              <a:rPr lang="en-US" dirty="0">
-                <a:latin typeface="+mj-lt"/>
-              </a:rPr>
-              <a:t>istory, clear</a:t>
-            </a:r>
-          </a:p>
-        </p:txBody>
-      </p:sp>
-      <p:sp>
-        <p:nvSpPr>
-          <p:cNvPr id="29699" name="Rectangle 3"/>
-          <p:cNvSpPr>
-            <a:spLocks noGrp="1" noChangeArrowheads="1"/>
-          </p:cNvSpPr>
-          <p:nvPr>
-            <p:ph type="body" idx="1"/>
-          </p:nvPr>
-        </p:nvSpPr>
-        <p:spPr>
-          <a:xfrm>
-            <a:off x="1286607" y="1782316"/>
-            <a:ext cx="6938349" cy="2779604"/>
-          </a:xfrm>
-        </p:spPr>
-        <p:txBody>
-          <a:bodyPr/>
-          <a:lstStyle/>
-          <a:p>
-            <a:r>
-              <a:rPr lang="en-US" b="1" dirty="0">
-                <a:solidFill>
-                  <a:srgbClr val="17375E"/>
-                </a:solidFill>
-              </a:rPr>
-              <a:t>history</a:t>
-            </a:r>
-            <a:r>
-              <a:rPr lang="en-US" dirty="0"/>
-              <a:t> - document of command lines</a:t>
-            </a:r>
-          </a:p>
-          <a:p>
-            <a:pPr marL="0" indent="0">
-              <a:buNone/>
-            </a:pPr>
-            <a:r>
-              <a:rPr lang="en-US" dirty="0"/>
-              <a:t>% history</a:t>
-            </a:r>
-          </a:p>
-          <a:p>
-            <a:pPr marL="0" indent="0">
-              <a:buNone/>
-            </a:pPr>
-            <a:endParaRPr lang="en-US" dirty="0"/>
-          </a:p>
-          <a:p>
-            <a:r>
-              <a:rPr lang="en-US" b="1" dirty="0">
-                <a:solidFill>
-                  <a:srgbClr val="17375E"/>
-                </a:solidFill>
-              </a:rPr>
-              <a:t>clear</a:t>
-            </a:r>
-            <a:r>
-              <a:rPr lang="en-US" dirty="0"/>
-              <a:t> - clear the terminal screen</a:t>
-            </a:r>
-          </a:p>
-          <a:p>
-            <a:pPr marL="0" indent="0">
-              <a:buNone/>
-            </a:pPr>
-            <a:r>
-              <a:rPr lang="en-US" dirty="0"/>
-              <a:t>% clear</a:t>
-            </a:r>
-          </a:p>
-        </p:txBody>
-      </p:sp>
-    </p:spTree>
-    <p:extLst>
-      <p:ext uri="{BB962C8B-B14F-4D97-AF65-F5344CB8AC3E}">
-        <p14:creationId xmlns:p14="http://schemas.microsoft.com/office/powerpoint/2010/main" val="2826232650"/>
-      </p:ext>
-    </p:extLst>
-  </p:cSld>
-  <p:clrMapOvr>
-    <a:masterClrMapping/>
-  </p:clrMapOvr>
-</p:sld>
-</file>
-
-<file path=ppt/slides/slide41.xml><?xml version="1.0" encoding="utf-8"?>
-<p:sld xmlns:a="http://schemas.openxmlformats.org/drawingml/2006/main" xmlns:r="http://schemas.openxmlformats.org/officeDocument/2006/relationships" xmlns:p="http://schemas.openxmlformats.org/presentationml/2006/main">
-  <p:cSld>
-    <p:spTree>
-      <p:nvGrpSpPr>
-        <p:cNvPr id="1" name=""/>
-        <p:cNvGrpSpPr/>
-        <p:nvPr/>
-      </p:nvGrpSpPr>
-      <p:grpSpPr>
-        <a:xfrm>
-          <a:off x="0" y="0"/>
-          <a:ext cx="0" cy="0"/>
-          <a:chOff x="0" y="0"/>
-          <a:chExt cx="0" cy="0"/>
-        </a:xfrm>
-      </p:grpSpPr>
-      <p:sp>
-        <p:nvSpPr>
-          <p:cNvPr id="6" name="Slide Number Placeholder 5"/>
-          <p:cNvSpPr>
-            <a:spLocks noGrp="1"/>
-          </p:cNvSpPr>
-          <p:nvPr>
-            <p:ph type="sldNum" sz="quarter" idx="12"/>
-          </p:nvPr>
-        </p:nvSpPr>
-        <p:spPr/>
-        <p:txBody>
-          <a:bodyPr/>
-          <a:lstStyle/>
-          <a:p>
-            <a:fld id="{8467816C-81CD-8D44-B314-D09829FFD154}" type="slidenum">
-              <a:rPr lang="en-US"/>
-              <a:pPr/>
-              <a:t>41</a:t>
-            </a:fld>
-            <a:endParaRPr lang="en-US"/>
-          </a:p>
-        </p:txBody>
-      </p:sp>
-      <p:sp>
-        <p:nvSpPr>
-          <p:cNvPr id="22530" name="Rectangle 2"/>
-          <p:cNvSpPr>
-            <a:spLocks noGrp="1" noChangeArrowheads="1"/>
-          </p:cNvSpPr>
-          <p:nvPr>
-            <p:ph type="title"/>
-          </p:nvPr>
-        </p:nvSpPr>
-        <p:spPr>
-          <a:xfrm>
-            <a:off x="685800" y="76200"/>
-            <a:ext cx="7772400" cy="1143000"/>
-          </a:xfrm>
-        </p:spPr>
-        <p:txBody>
-          <a:bodyPr/>
-          <a:lstStyle/>
-          <a:p>
-            <a:r>
-              <a:rPr lang="en-US" b="1" dirty="0">
-                <a:solidFill>
-                  <a:srgbClr val="17375E"/>
-                </a:solidFill>
-                <a:latin typeface="+mj-lt"/>
-              </a:rPr>
-              <a:t>man</a:t>
-            </a:r>
-          </a:p>
-        </p:txBody>
-      </p:sp>
-      <p:sp>
-        <p:nvSpPr>
-          <p:cNvPr id="22531" name="Rectangle 3"/>
-          <p:cNvSpPr>
-            <a:spLocks noGrp="1" noChangeArrowheads="1"/>
-          </p:cNvSpPr>
-          <p:nvPr>
-            <p:ph type="body" idx="1"/>
-          </p:nvPr>
-        </p:nvSpPr>
-        <p:spPr>
-          <a:xfrm>
-            <a:off x="798089" y="1300080"/>
-            <a:ext cx="7888711" cy="4773840"/>
-          </a:xfrm>
-        </p:spPr>
-        <p:txBody>
-          <a:bodyPr>
-            <a:normAutofit/>
-          </a:bodyPr>
-          <a:lstStyle/>
-          <a:p>
-            <a:r>
-              <a:rPr lang="en-US" sz="2800" dirty="0">
-                <a:latin typeface="+mj-lt"/>
-              </a:rPr>
-              <a:t>Manual Pages</a:t>
-            </a:r>
-          </a:p>
-          <a:p>
-            <a:pPr marL="0" indent="0">
-              <a:buNone/>
-            </a:pPr>
-            <a:r>
-              <a:rPr lang="en-US" sz="2800" dirty="0">
-                <a:latin typeface="Courier"/>
-                <a:cs typeface="Courier"/>
-              </a:rPr>
-              <a:t>% man </a:t>
-            </a:r>
-            <a:r>
-              <a:rPr lang="en-US" sz="2800" dirty="0" err="1">
-                <a:latin typeface="Courier"/>
-                <a:cs typeface="Courier"/>
-              </a:rPr>
-              <a:t>grep</a:t>
-            </a:r>
-            <a:endParaRPr lang="en-US" sz="2800" dirty="0">
-              <a:latin typeface="Courier"/>
-              <a:cs typeface="Courier"/>
-            </a:endParaRPr>
-          </a:p>
-          <a:p>
-            <a:pPr marL="0" indent="0">
-              <a:buNone/>
-            </a:pPr>
-            <a:endParaRPr lang="en-US" sz="2800" dirty="0">
-              <a:latin typeface="+mj-lt"/>
-            </a:endParaRPr>
-          </a:p>
-          <a:p>
-            <a:r>
-              <a:rPr lang="en-US" sz="2800" dirty="0">
-                <a:latin typeface="+mj-lt"/>
-              </a:rPr>
-              <a:t>Detailed information about each command</a:t>
-            </a:r>
-          </a:p>
-          <a:p>
-            <a:r>
-              <a:rPr lang="en-US" sz="2800" dirty="0">
-                <a:latin typeface="+mj-lt"/>
-              </a:rPr>
-              <a:t>Could be too detailed to find the answer</a:t>
-            </a:r>
-          </a:p>
-          <a:p>
-            <a:endParaRPr lang="en-US" sz="2800" dirty="0">
-              <a:latin typeface="+mj-lt"/>
-            </a:endParaRPr>
-          </a:p>
-          <a:p>
-            <a:pPr marL="0" indent="0">
-              <a:buNone/>
-            </a:pPr>
-            <a:r>
-              <a:rPr lang="en-US" sz="2800" dirty="0">
-                <a:latin typeface="+mj-lt"/>
-              </a:rPr>
-              <a:t>Sometimes it is more efficient to …</a:t>
-            </a:r>
-          </a:p>
-          <a:p>
-            <a:r>
-              <a:rPr lang="en-US" sz="2800" dirty="0">
-                <a:latin typeface="+mj-lt"/>
-              </a:rPr>
-              <a:t>Google “how-to”</a:t>
-            </a:r>
-          </a:p>
-          <a:p>
-            <a:r>
-              <a:rPr lang="en-US" sz="2800" dirty="0">
-                <a:latin typeface="+mj-lt"/>
-              </a:rPr>
-              <a:t>Ask questions</a:t>
-            </a:r>
-          </a:p>
-        </p:txBody>
-      </p:sp>
-    </p:spTree>
-    <p:extLst>
-      <p:ext uri="{BB962C8B-B14F-4D97-AF65-F5344CB8AC3E}">
-        <p14:creationId xmlns:p14="http://schemas.microsoft.com/office/powerpoint/2010/main" val="2668058711"/>
       </p:ext>
     </p:extLst>
   </p:cSld>
